--- a/BDSI22_DM_STICOVID_Poster.pptx
+++ b/BDSI22_DM_STICOVID_Poster.pptx
@@ -6942,7 +6942,7 @@
                   <a:ea typeface="ＭＳ Ｐゴシック" charset="0"/>
                   <a:cs typeface="ＭＳ Ｐゴシック" charset="0"/>
                 </a:rPr>
-                <a:t>Materials and Methods</a:t>
+                <a:t>Data and Methods</a:t>
               </a:r>
             </a:p>
           </p:txBody>
@@ -7045,7 +7045,7 @@
         <p:spPr>
           <a:xfrm>
             <a:off x="15609532" y="6593307"/>
-            <a:ext cx="13422668" cy="2173601"/>
+            <a:ext cx="13422668" cy="3220042"/>
           </a:xfrm>
           <a:prstGeom prst="rect">
             <a:avLst/>
@@ -7063,7 +7063,7 @@
               <a:rPr lang="en-US" b="0" baseline="0" dirty="0">
                 <a:latin typeface="Calibri" panose="020F0502020204030204" pitchFamily="34" charset="0"/>
               </a:rPr>
-              <a:t>We use county level demographic and socioeconomic characteristics from the U.S. Census Bureau’s American Community Survey (2010-20), Intercensal Population Estimates (2002-09), and Small Area Income and Poverty Estimates (2002-09). </a:t>
+              <a:t>We use county-level demographic and socioeconomic characteristics from the U.S. Census Bureau’s American Community Survey (2010-20), Intercensal Population Estimates (2002-09), and Small Area Income and Poverty Estimates (2002-09), as well as the USDA ERS’s county-level employment statistics (2002-2009). For STI data, we use county-level annual data from the CDC (2002-2020). </a:t>
             </a:r>
           </a:p>
         </p:txBody>

--- a/BDSI22_DM_STICOVID_Poster.pptx
+++ b/BDSI22_DM_STICOVID_Poster.pptx
@@ -4161,7 +4161,7 @@
         </p:nvSpPr>
         <p:spPr>
           <a:xfrm>
-            <a:off x="762000" y="1600200"/>
+            <a:off x="1143000" y="1600200"/>
             <a:ext cx="8077200" cy="2534254"/>
           </a:xfrm>
           <a:prstGeom prst="rect">
@@ -4580,81 +4580,6 @@
           </a:p>
         </p:txBody>
       </p:sp>
-      <p:sp>
-        <p:nvSpPr>
-          <p:cNvPr id="14346" name="Rectangle 45"/>
-          <p:cNvSpPr>
-            <a:spLocks noChangeArrowheads="1"/>
-          </p:cNvSpPr>
-          <p:nvPr/>
-        </p:nvSpPr>
-        <p:spPr bwMode="auto">
-          <a:xfrm>
-            <a:off x="1371600" y="9391567"/>
-            <a:ext cx="13128173" cy="1065614"/>
-          </a:xfrm>
-          <a:prstGeom prst="rect">
-            <a:avLst/>
-          </a:prstGeom>
-          <a:noFill/>
-          <a:ln>
-            <a:noFill/>
-          </a:ln>
-          <a:extLst>
-            <a:ext uri="{909E8E84-426E-40DD-AFC4-6F175D3DCCD1}">
-              <a14:hiddenFill xmlns:a14="http://schemas.microsoft.com/office/drawing/2010/main">
-                <a:solidFill>
-                  <a:srgbClr val="FFFFFF"/>
-                </a:solidFill>
-              </a14:hiddenFill>
-            </a:ext>
-            <a:ext uri="{91240B29-F687-4F45-9708-019B960494DF}">
-              <a14:hiddenLine xmlns:a14="http://schemas.microsoft.com/office/drawing/2010/main" w="9525">
-                <a:solidFill>
-                  <a:srgbClr val="000000"/>
-                </a:solidFill>
-                <a:miter lim="800000"/>
-                <a:headEnd/>
-                <a:tailEnd/>
-              </a14:hiddenLine>
-            </a:ext>
-          </a:extLst>
-        </p:spPr>
-        <p:txBody>
-          <a:bodyPr lIns="79925" tIns="39970" rIns="79925" bIns="39970" anchor="ctr">
-            <a:spAutoFit/>
-          </a:bodyPr>
-          <a:lstStyle/>
-          <a:p>
-            <a:pPr algn="ctr"/>
-            <a:endParaRPr lang="en-US" altLang="zh-CN" sz="4300" dirty="0">
-              <a:ea typeface="SimSun" pitchFamily="2" charset="-122"/>
-            </a:endParaRPr>
-          </a:p>
-          <a:p>
-            <a:pPr algn="ctr"/>
-            <a:endParaRPr lang="en-US" altLang="zh-CN" sz="1900" dirty="0">
-              <a:ea typeface="SimSun" pitchFamily="2" charset="-122"/>
-            </a:endParaRPr>
-          </a:p>
-          <a:p>
-            <a:pPr algn="just">
-              <a:spcAft>
-                <a:spcPts val="2626"/>
-              </a:spcAft>
-            </a:pPr>
-            <a:r>
-              <a:rPr lang="en-US" altLang="zh-CN" dirty="0">
-                <a:ea typeface="SimSun" pitchFamily="2" charset="-122"/>
-              </a:rPr>
-              <a:t>	</a:t>
-            </a:r>
-            <a:endParaRPr lang="en-US" altLang="zh-CN" baseline="0" dirty="0">
-              <a:ea typeface="SimSun" pitchFamily="2" charset="-122"/>
-            </a:endParaRPr>
-          </a:p>
-        </p:txBody>
-      </p:sp>
       <p:pic>
         <p:nvPicPr>
           <p:cNvPr id="66" name="Picture 9"/>
@@ -4670,7 +4595,7 @@
         </p:blipFill>
         <p:spPr bwMode="auto">
           <a:xfrm>
-            <a:off x="1053197" y="1981200"/>
+            <a:off x="1477738" y="1981200"/>
             <a:ext cx="7437662" cy="2069696"/>
           </a:xfrm>
           <a:prstGeom prst="rect">
@@ -4922,38 +4847,6 @@
           </p:txBody>
         </p:sp>
       </p:grpSp>
-      <p:sp>
-        <p:nvSpPr>
-          <p:cNvPr id="8" name="TextBox 7"/>
-          <p:cNvSpPr txBox="1"/>
-          <p:nvPr/>
-        </p:nvSpPr>
-        <p:spPr>
-          <a:xfrm>
-            <a:off x="177936" y="6599370"/>
-            <a:ext cx="14337077" cy="603941"/>
-          </a:xfrm>
-          <a:prstGeom prst="rect">
-            <a:avLst/>
-          </a:prstGeom>
-          <a:noFill/>
-        </p:spPr>
-        <p:txBody>
-          <a:bodyPr wrap="square" lIns="79925" tIns="39970" rIns="79925" bIns="39970" rtlCol="0">
-            <a:spAutoFit/>
-          </a:bodyPr>
-          <a:lstStyle/>
-          <a:p>
-            <a:pPr algn="just"/>
-            <a:r>
-              <a:rPr lang="en-US" b="0" baseline="0" dirty="0">
-                <a:latin typeface="Calibri" panose="020F0502020204030204" pitchFamily="34" charset="0"/>
-              </a:rPr>
-              <a:t>Insert abstract here</a:t>
-            </a:r>
-          </a:p>
-        </p:txBody>
-      </p:sp>
       <p:grpSp>
         <p:nvGrpSpPr>
           <p:cNvPr id="24" name="Group 23"/>
@@ -7045,7 +6938,7 @@
         <p:spPr>
           <a:xfrm>
             <a:off x="15609532" y="6593307"/>
-            <a:ext cx="13422668" cy="3220042"/>
+            <a:ext cx="13422668" cy="5312922"/>
           </a:xfrm>
           <a:prstGeom prst="rect">
             <a:avLst/>
@@ -7063,7 +6956,22 @@
               <a:rPr lang="en-US" b="0" baseline="0" dirty="0">
                 <a:latin typeface="Calibri" panose="020F0502020204030204" pitchFamily="34" charset="0"/>
               </a:rPr>
-              <a:t>We use county-level demographic and socioeconomic characteristics from the U.S. Census Bureau’s American Community Survey (2010-20), Intercensal Population Estimates (2002-09), and Small Area Income and Poverty Estimates (2002-09), as well as the USDA ERS’s county-level employment statistics (2002-2009). For STI data, we use county-level annual data from the CDC (2002-2020). </a:t>
+              <a:t>We use county-level demographic and socioeconomic characteristics from the U.S. Census Bureau’s American Community Survey (2010-20), Intercensal Population Estimates (2002-09), and Small Area Income and Poverty Estimates (2002-09), as well as the USDA ERS’s county-level employment statistics (2002-2009). For STI data, we use county-level annual data from the CDC (2002-2020).</a:t>
+            </a:r>
+          </a:p>
+          <a:p>
+            <a:pPr algn="just"/>
+            <a:endParaRPr lang="en-US" b="0" baseline="0" dirty="0">
+              <a:latin typeface="Calibri" panose="020F0502020204030204" pitchFamily="34" charset="0"/>
+            </a:endParaRPr>
+          </a:p>
+          <a:p>
+            <a:pPr algn="just"/>
+            <a:r>
+              <a:rPr lang="en-US" b="0" baseline="0" dirty="0">
+                <a:latin typeface="Calibri" panose="020F0502020204030204" pitchFamily="34" charset="0"/>
+              </a:rPr>
+              <a:t>In our first model, we use an ARIMA with order &lt;XXX&gt; model trained on STI case data between 2002 and 2019 to predict 2020 case counts. We then calculate the number of missing cases</a:t>
             </a:r>
           </a:p>
         </p:txBody>
@@ -7173,7 +7081,7 @@
         <p:spPr>
           <a:xfrm>
             <a:off x="30024065" y="30403800"/>
-            <a:ext cx="13813444" cy="1157769"/>
+            <a:ext cx="13813444" cy="1650381"/>
           </a:xfrm>
           <a:prstGeom prst="rect">
             <a:avLst/>
@@ -7194,7 +7102,25 @@
                 </a:solidFill>
                 <a:latin typeface="Calibri" panose="020F0502020204030204" pitchFamily="34" charset="0"/>
               </a:rPr>
-              <a:t>Thank you to Dr. Johann Gagnon-Bartsch and Charlotte Mann for advising and mentoring our project.</a:t>
+              <a:t>Thank you to Dr. Johann Gagnon-Bartsch and Charlotte Mann for advising and mentoring our project. Thank you to Dr. Jon </a:t>
+            </a:r>
+            <a:r>
+              <a:rPr lang="en-US" b="0" baseline="0" dirty="0" err="1">
+                <a:solidFill>
+                  <a:srgbClr val="00274C"/>
+                </a:solidFill>
+                <a:latin typeface="Calibri" panose="020F0502020204030204" pitchFamily="34" charset="0"/>
+              </a:rPr>
+              <a:t>Zelner</a:t>
+            </a:r>
+            <a:r>
+              <a:rPr lang="en-US" b="0" baseline="0" dirty="0">
+                <a:solidFill>
+                  <a:srgbClr val="00274C"/>
+                </a:solidFill>
+                <a:latin typeface="Calibri" panose="020F0502020204030204" pitchFamily="34" charset="0"/>
+              </a:rPr>
+              <a:t> for his advice regarding best practices in spatial epidemiological modelling. </a:t>
             </a:r>
           </a:p>
         </p:txBody>
@@ -7229,6 +7155,44 @@
           </a:prstGeom>
         </p:spPr>
       </p:pic>
+      <p:sp>
+        <p:nvSpPr>
+          <p:cNvPr id="36" name="TextBox 35">
+            <a:extLst>
+              <a:ext uri="{FF2B5EF4-FFF2-40B4-BE49-F238E27FC236}">
+                <a16:creationId xmlns:a16="http://schemas.microsoft.com/office/drawing/2014/main" id="{00C540D8-6DE5-4CB4-46B4-37B3FCBA2A1E}"/>
+              </a:ext>
+            </a:extLst>
+          </p:cNvPr>
+          <p:cNvSpPr txBox="1"/>
+          <p:nvPr/>
+        </p:nvSpPr>
+        <p:spPr>
+          <a:xfrm>
+            <a:off x="177936" y="6709936"/>
+            <a:ext cx="14321836" cy="603941"/>
+          </a:xfrm>
+          <a:prstGeom prst="rect">
+            <a:avLst/>
+          </a:prstGeom>
+          <a:noFill/>
+        </p:spPr>
+        <p:txBody>
+          <a:bodyPr wrap="square" lIns="79925" tIns="39970" rIns="79925" bIns="39970" rtlCol="0">
+            <a:spAutoFit/>
+          </a:bodyPr>
+          <a:lstStyle/>
+          <a:p>
+            <a:pPr algn="just"/>
+            <a:r>
+              <a:rPr lang="en-US" b="0" baseline="0" dirty="0">
+                <a:latin typeface="Calibri" panose="020F0502020204030204" pitchFamily="34" charset="0"/>
+              </a:rPr>
+              <a:t>Insert abstract here</a:t>
+            </a:r>
+          </a:p>
+        </p:txBody>
+      </p:sp>
     </p:spTree>
   </p:cSld>
   <p:clrMapOvr>

--- a/BDSI22_DM_STICOVID_Poster.pptx
+++ b/BDSI22_DM_STICOVID_Poster.pptx
@@ -4405,8 +4405,8 @@
         </p:nvSpPr>
         <p:spPr bwMode="auto">
           <a:xfrm>
-            <a:off x="8788" y="4082045"/>
-            <a:ext cx="43882412" cy="1365752"/>
+            <a:off x="8788" y="4457343"/>
+            <a:ext cx="43882412" cy="553222"/>
           </a:xfrm>
           <a:prstGeom prst="rect">
             <a:avLst/>
@@ -4556,26 +4556,10 @@
               </a:spcBef>
             </a:pPr>
             <a:r>
-              <a:rPr lang="en-US" altLang="zh-CN" sz="4800" baseline="0" dirty="0">
+              <a:rPr lang="en-US" altLang="zh-CN" sz="4800" b="0" baseline="0" dirty="0">
                 <a:ea typeface="SimSun" pitchFamily="2" charset="-122"/>
               </a:rPr>
-              <a:t>     Department of Statistics, University of Michigan</a:t>
-            </a:r>
-          </a:p>
-          <a:p>
-            <a:pPr algn="ctr" eaLnBrk="1" hangingPunct="1">
-              <a:lnSpc>
-                <a:spcPct val="60000"/>
-              </a:lnSpc>
-              <a:spcBef>
-                <a:spcPct val="50000"/>
-              </a:spcBef>
-            </a:pPr>
-            <a:r>
-              <a:rPr lang="en-US" altLang="zh-CN" sz="4800" baseline="0" dirty="0">
-                <a:ea typeface="SimSun" pitchFamily="2" charset="-122"/>
-              </a:rPr>
-              <a:t>  Ann Arbor, MI</a:t>
+              <a:t>University of Michigan, Indian Statistical Institute, University of Michigan – Dearborn, Brown University</a:t>
             </a:r>
           </a:p>
         </p:txBody>

--- a/BDSI22_DM_STICOVID_Poster.pptx
+++ b/BDSI22_DM_STICOVID_Poster.pptx
@@ -4161,8 +4161,8 @@
         </p:nvSpPr>
         <p:spPr>
           <a:xfrm>
-            <a:off x="1143000" y="1600200"/>
-            <a:ext cx="8077200" cy="2534254"/>
+            <a:off x="1236341" y="1270507"/>
+            <a:ext cx="8059525" cy="2534254"/>
           </a:xfrm>
           <a:prstGeom prst="rect">
             <a:avLst/>
@@ -4210,7 +4210,7 @@
         </p:nvSpPr>
         <p:spPr bwMode="auto">
           <a:xfrm>
-            <a:off x="8490859" y="668666"/>
+            <a:off x="8516259" y="1072636"/>
             <a:ext cx="28019827" cy="4302389"/>
           </a:xfrm>
           <a:prstGeom prst="rect">
@@ -4371,8 +4371,20 @@
               </a:spcBef>
             </a:pPr>
             <a:r>
+              <a:rPr lang="en-US" sz="8200" dirty="0" err="1"/>
+              <a:t>Ruoer</a:t>
+            </a:r>
+            <a:r>
               <a:rPr lang="en-US" sz="8200" dirty="0"/>
-              <a:t>[Insert Authors (RA First)]</a:t>
+              <a:t> Bei, </a:t>
+            </a:r>
+            <a:r>
+              <a:rPr lang="en-US" sz="8200" dirty="0" err="1"/>
+              <a:t>Chandramouli</a:t>
+            </a:r>
+            <a:r>
+              <a:rPr lang="en-US" sz="8200" dirty="0"/>
+              <a:t> </a:t>
             </a:r>
           </a:p>
           <a:p>
@@ -4564,39 +4576,6 @@
           </a:p>
         </p:txBody>
       </p:sp>
-      <p:pic>
-        <p:nvPicPr>
-          <p:cNvPr id="66" name="Picture 9"/>
-          <p:cNvPicPr>
-            <a:picLocks noChangeAspect="1" noChangeArrowheads="1"/>
-          </p:cNvPicPr>
-          <p:nvPr/>
-        </p:nvPicPr>
-        <p:blipFill rotWithShape="1">
-          <a:blip r:embed="rId3"/>
-          <a:srcRect t="-31231" b="-59941"/>
-          <a:stretch/>
-        </p:blipFill>
-        <p:spPr bwMode="auto">
-          <a:xfrm>
-            <a:off x="1477738" y="1981200"/>
-            <a:ext cx="7437662" cy="2069696"/>
-          </a:xfrm>
-          <a:prstGeom prst="rect">
-            <a:avLst/>
-          </a:prstGeom>
-          <a:noFill/>
-          <a:extLst>
-            <a:ext uri="{909E8E84-426E-40DD-AFC4-6F175D3DCCD1}">
-              <a14:hiddenFill xmlns:a14="http://schemas.microsoft.com/office/drawing/2010/main">
-                <a:solidFill>
-                  <a:srgbClr val="FFFFFF"/>
-                </a:solidFill>
-              </a14:hiddenFill>
-            </a:ext>
-          </a:extLst>
-        </p:spPr>
-      </p:pic>
       <p:grpSp>
         <p:nvGrpSpPr>
           <p:cNvPr id="2" name="Group 1"/>
@@ -4629,9 +4608,7 @@
             </a:prstGeom>
             <a:noFill/>
             <a:ln w="9525" cap="flat" cmpd="sng" algn="ctr">
-              <a:solidFill>
-                <a:schemeClr val="dk1"/>
-              </a:solidFill>
+              <a:noFill/>
               <a:prstDash val="solid"/>
               <a:round/>
               <a:headEnd type="none" w="med" len="med"/>
@@ -4789,7 +4766,9 @@
                 </a:path>
               </a:pathLst>
             </a:custGeom>
-            <a:ln/>
+            <a:ln>
+              <a:noFill/>
+            </a:ln>
           </p:spPr>
           <p:style>
             <a:lnRef idx="2">
@@ -4839,7 +4818,7 @@
         </p:nvGrpSpPr>
         <p:grpSpPr>
           <a:xfrm>
-            <a:off x="29870400" y="18028268"/>
+            <a:off x="30043797" y="18046688"/>
             <a:ext cx="13973357" cy="5059614"/>
             <a:chOff x="34856966" y="21085710"/>
             <a:chExt cx="15551755" cy="4959476"/>
@@ -5153,9 +5132,7 @@
             </a:prstGeom>
             <a:noFill/>
             <a:ln w="9525" cap="flat" cmpd="sng" algn="ctr">
-              <a:solidFill>
-                <a:schemeClr val="dk1"/>
-              </a:solidFill>
+              <a:noFill/>
               <a:prstDash val="solid"/>
               <a:round/>
               <a:headEnd type="none" w="med" len="med"/>
@@ -5193,7 +5170,7 @@
         </p:nvGrpSpPr>
         <p:grpSpPr>
           <a:xfrm>
-            <a:off x="0" y="19006950"/>
+            <a:off x="-26300" y="19071060"/>
             <a:ext cx="14824490" cy="13875425"/>
             <a:chOff x="1184910" y="17151378"/>
             <a:chExt cx="16145988" cy="13487400"/>
@@ -5217,9 +5194,7 @@
             </a:prstGeom>
             <a:noFill/>
             <a:ln w="9525" cap="flat" cmpd="sng" algn="ctr">
-              <a:solidFill>
-                <a:schemeClr val="dk1"/>
-              </a:solidFill>
+              <a:noFill/>
               <a:prstDash val="solid"/>
               <a:round/>
               <a:headEnd type="none" w="med" len="med"/>
@@ -5528,7 +5503,7 @@
         </p:nvGrpSpPr>
         <p:grpSpPr>
           <a:xfrm>
-            <a:off x="29834775" y="5497671"/>
+            <a:off x="29917728" y="5531921"/>
             <a:ext cx="14026118" cy="12172185"/>
             <a:chOff x="34807225" y="6557962"/>
             <a:chExt cx="15563392" cy="14020800"/>
@@ -5552,9 +5527,7 @@
             </a:prstGeom>
             <a:noFill/>
             <a:ln w="9525">
-              <a:solidFill>
-                <a:srgbClr val="00274C"/>
-              </a:solidFill>
+              <a:noFill/>
               <a:miter lim="800000"/>
               <a:headEnd/>
               <a:tailEnd/>
@@ -5835,7 +5808,7 @@
         </p:nvGrpSpPr>
         <p:grpSpPr>
           <a:xfrm>
-            <a:off x="29881296" y="23359804"/>
+            <a:off x="29990344" y="23359804"/>
             <a:ext cx="14009904" cy="5787019"/>
             <a:chOff x="34823399" y="26522362"/>
             <a:chExt cx="15555080" cy="6081711"/>
@@ -5859,9 +5832,7 @@
             </a:prstGeom>
             <a:noFill/>
             <a:ln w="9525" cap="flat" cmpd="sng" algn="ctr">
-              <a:solidFill>
-                <a:schemeClr val="dk1"/>
-              </a:solidFill>
+              <a:noFill/>
               <a:prstDash val="solid"/>
               <a:round/>
               <a:headEnd type="none" w="med" len="med"/>
@@ -6196,7 +6167,7 @@
         </p:nvGrpSpPr>
         <p:grpSpPr>
           <a:xfrm>
-            <a:off x="29821593" y="29489405"/>
+            <a:off x="29957484" y="29524996"/>
             <a:ext cx="14053421" cy="3392972"/>
             <a:chOff x="34819727" y="32972872"/>
             <a:chExt cx="15564112" cy="3150691"/>
@@ -6220,9 +6191,7 @@
             </a:prstGeom>
             <a:noFill/>
             <a:ln w="9525" cap="flat" cmpd="sng" algn="ctr">
-              <a:solidFill>
-                <a:schemeClr val="dk1"/>
-              </a:solidFill>
+              <a:noFill/>
               <a:prstDash val="solid"/>
               <a:round/>
               <a:headEnd type="none" w="med" len="med"/>
@@ -6842,9 +6811,7 @@
             </a:prstGeom>
             <a:noFill/>
             <a:ln w="9525" cap="flat" cmpd="sng" algn="ctr">
-              <a:solidFill>
-                <a:schemeClr val="dk1"/>
-              </a:solidFill>
+              <a:noFill/>
               <a:prstDash val="solid"/>
               <a:round/>
               <a:headEnd type="none" w="med" len="med"/>
@@ -6968,7 +6935,7 @@
         </p:nvSpPr>
         <p:spPr>
           <a:xfrm>
-            <a:off x="30024064" y="6593307"/>
+            <a:off x="30047873" y="6593307"/>
             <a:ext cx="14337077" cy="603941"/>
           </a:xfrm>
           <a:prstGeom prst="rect">
@@ -7000,7 +6967,7 @@
         </p:nvSpPr>
         <p:spPr>
           <a:xfrm>
-            <a:off x="30024064" y="19192716"/>
+            <a:off x="30367387" y="19018138"/>
             <a:ext cx="14337077" cy="603941"/>
           </a:xfrm>
           <a:prstGeom prst="rect">
@@ -7032,7 +6999,7 @@
         </p:nvSpPr>
         <p:spPr>
           <a:xfrm>
-            <a:off x="30029385" y="24516825"/>
+            <a:off x="30296193" y="24291732"/>
             <a:ext cx="14337077" cy="603941"/>
           </a:xfrm>
           <a:prstGeom prst="rect">
@@ -7064,8 +7031,8 @@
         </p:nvSpPr>
         <p:spPr>
           <a:xfrm>
-            <a:off x="30024065" y="30403800"/>
-            <a:ext cx="13813444" cy="1650381"/>
+            <a:off x="30120629" y="30367193"/>
+            <a:ext cx="13541971" cy="1650381"/>
           </a:xfrm>
           <a:prstGeom prst="rect">
             <a:avLst/>
@@ -7115,6 +7082,88 @@
             <a:extLst>
               <a:ext uri="{FF2B5EF4-FFF2-40B4-BE49-F238E27FC236}">
                 <a16:creationId xmlns:a16="http://schemas.microsoft.com/office/drawing/2014/main" id="{261616BB-DC8C-D2B6-03EC-4419A933C4EB}"/>
+              </a:ext>
+            </a:extLst>
+          </p:cNvPr>
+          <p:cNvPicPr>
+            <a:picLocks noChangeAspect="1"/>
+          </p:cNvPicPr>
+          <p:nvPr/>
+        </p:nvPicPr>
+        <p:blipFill>
+          <a:blip r:embed="rId3"/>
+          <a:stretch>
+            <a:fillRect/>
+          </a:stretch>
+        </p:blipFill>
+        <p:spPr>
+          <a:xfrm>
+            <a:off x="39047346" y="777503"/>
+            <a:ext cx="3607513" cy="3830128"/>
+          </a:xfrm>
+          <a:prstGeom prst="rect">
+            <a:avLst/>
+          </a:prstGeom>
+        </p:spPr>
+      </p:pic>
+      <p:sp>
+        <p:nvSpPr>
+          <p:cNvPr id="36" name="TextBox 35">
+            <a:extLst>
+              <a:ext uri="{FF2B5EF4-FFF2-40B4-BE49-F238E27FC236}">
+                <a16:creationId xmlns:a16="http://schemas.microsoft.com/office/drawing/2014/main" id="{00C540D8-6DE5-4CB4-46B4-37B3FCBA2A1E}"/>
+              </a:ext>
+            </a:extLst>
+          </p:cNvPr>
+          <p:cNvSpPr txBox="1"/>
+          <p:nvPr/>
+        </p:nvSpPr>
+        <p:spPr>
+          <a:xfrm>
+            <a:off x="177936" y="6593307"/>
+            <a:ext cx="14321836" cy="6882583"/>
+          </a:xfrm>
+          <a:prstGeom prst="rect">
+            <a:avLst/>
+          </a:prstGeom>
+          <a:noFill/>
+        </p:spPr>
+        <p:txBody>
+          <a:bodyPr wrap="square" lIns="79925" tIns="39970" rIns="79925" bIns="39970" rtlCol="0">
+            <a:spAutoFit/>
+          </a:bodyPr>
+          <a:lstStyle/>
+          <a:p>
+            <a:r>
+              <a:rPr lang="en-US" b="0" baseline="0" dirty="0">
+                <a:latin typeface="Calibri" panose="020F0502020204030204" pitchFamily="34" charset="0"/>
+                <a:cs typeface="Calibri" panose="020F0502020204030204" pitchFamily="34" charset="0"/>
+              </a:rPr>
+              <a:t>As the cases of COVID-19 decrease and an increasing amount of people return to similar routines that they had prior to the pandemic, more effects of the pandemic on public health and medicine are perceptible. Despite emphasis on quarantines and limiting social events, many states have reported a higher number of sexually transmitted infection (STI) cases that are symptomatic and a lower number of STIs that are typically asymptomatic. Regular STI screenings are important to inform patients when they have an STI, especially when they are asymptomatic. An explanation for this increase is that overwhelmed hospitals and doctors and an emphasis on staying home unless necessary has interrupted many routine medical procedures such as STI testing. Our research investigates these changes in reported STI cases to verify whether this increase in </a:t>
+            </a:r>
+            <a:r>
+              <a:rPr lang="en-US" b="0" baseline="0">
+                <a:latin typeface="Calibri" panose="020F0502020204030204" pitchFamily="34" charset="0"/>
+                <a:cs typeface="Calibri" panose="020F0502020204030204" pitchFamily="34" charset="0"/>
+              </a:rPr>
+              <a:t>symptomatic STIs is </a:t>
+            </a:r>
+            <a:r>
+              <a:rPr lang="en-US" b="0" baseline="0" dirty="0">
+                <a:latin typeface="Calibri" panose="020F0502020204030204" pitchFamily="34" charset="0"/>
+                <a:cs typeface="Calibri" panose="020F0502020204030204" pitchFamily="34" charset="0"/>
+              </a:rPr>
+              <a:t>an increase of STI cases or a delayal of healthcare and treatment until post-pandemic or development of symptoms. </a:t>
+            </a:r>
+          </a:p>
+        </p:txBody>
+      </p:sp>
+      <p:pic>
+        <p:nvPicPr>
+          <p:cNvPr id="11" name="Picture 10" descr="A picture containing text, tableware, plate, dishware&#10;&#10;Description automatically generated">
+            <a:extLst>
+              <a:ext uri="{FF2B5EF4-FFF2-40B4-BE49-F238E27FC236}">
+                <a16:creationId xmlns:a16="http://schemas.microsoft.com/office/drawing/2014/main" id="{F7AA5D48-9446-BC55-63F8-4D038D87407C}"/>
               </a:ext>
             </a:extLst>
           </p:cNvPr>
@@ -7131,52 +7180,14 @@
         </p:blipFill>
         <p:spPr>
           <a:xfrm>
-            <a:off x="39047346" y="777503"/>
-            <a:ext cx="3607513" cy="3830128"/>
+            <a:off x="1236341" y="1736055"/>
+            <a:ext cx="7983325" cy="1596665"/>
           </a:xfrm>
           <a:prstGeom prst="rect">
             <a:avLst/>
           </a:prstGeom>
         </p:spPr>
       </p:pic>
-      <p:sp>
-        <p:nvSpPr>
-          <p:cNvPr id="36" name="TextBox 35">
-            <a:extLst>
-              <a:ext uri="{FF2B5EF4-FFF2-40B4-BE49-F238E27FC236}">
-                <a16:creationId xmlns:a16="http://schemas.microsoft.com/office/drawing/2014/main" id="{00C540D8-6DE5-4CB4-46B4-37B3FCBA2A1E}"/>
-              </a:ext>
-            </a:extLst>
-          </p:cNvPr>
-          <p:cNvSpPr txBox="1"/>
-          <p:nvPr/>
-        </p:nvSpPr>
-        <p:spPr>
-          <a:xfrm>
-            <a:off x="177936" y="6709936"/>
-            <a:ext cx="14321836" cy="603941"/>
-          </a:xfrm>
-          <a:prstGeom prst="rect">
-            <a:avLst/>
-          </a:prstGeom>
-          <a:noFill/>
-        </p:spPr>
-        <p:txBody>
-          <a:bodyPr wrap="square" lIns="79925" tIns="39970" rIns="79925" bIns="39970" rtlCol="0">
-            <a:spAutoFit/>
-          </a:bodyPr>
-          <a:lstStyle/>
-          <a:p>
-            <a:pPr algn="just"/>
-            <a:r>
-              <a:rPr lang="en-US" b="0" baseline="0" dirty="0">
-                <a:latin typeface="Calibri" panose="020F0502020204030204" pitchFamily="34" charset="0"/>
-              </a:rPr>
-              <a:t>Insert abstract here</a:t>
-            </a:r>
-          </a:p>
-        </p:txBody>
-      </p:sp>
     </p:spTree>
   </p:cSld>
   <p:clrMapOvr>

--- a/BDSI22_DM_STICOVID_Poster.pptx
+++ b/BDSI22_DM_STICOVID_Poster.pptx
@@ -4161,7 +4161,7 @@
         </p:nvSpPr>
         <p:spPr>
           <a:xfrm>
-            <a:off x="1236341" y="1270507"/>
+            <a:off x="754984" y="735588"/>
             <a:ext cx="8059525" cy="2534254"/>
           </a:xfrm>
           <a:prstGeom prst="rect">
@@ -4210,8 +4210,8 @@
         </p:nvSpPr>
         <p:spPr bwMode="auto">
           <a:xfrm>
-            <a:off x="8516259" y="1072636"/>
-            <a:ext cx="28019827" cy="4302389"/>
+            <a:off x="8871787" y="665114"/>
+            <a:ext cx="28019827" cy="3558596"/>
           </a:xfrm>
           <a:prstGeom prst="rect">
             <a:avLst/>
@@ -4358,10 +4358,10 @@
               </a:spcBef>
             </a:pPr>
             <a:r>
-              <a:rPr lang="en-US" altLang="zh-CN" sz="7200" baseline="0" dirty="0">
+              <a:rPr lang="en-US" altLang="zh-CN" sz="8000" baseline="0" dirty="0">
                 <a:ea typeface="SimSun" pitchFamily="2" charset="-122"/>
               </a:rPr>
-              <a:t>[Insert Title]</a:t>
+              <a:t>Changing STI Rates: </a:t>
             </a:r>
           </a:p>
           <a:p>
@@ -4371,20 +4371,10 @@
               </a:spcBef>
             </a:pPr>
             <a:r>
-              <a:rPr lang="en-US" sz="8200" dirty="0" err="1"/>
-              <a:t>Ruoer</a:t>
-            </a:r>
-            <a:r>
-              <a:rPr lang="en-US" sz="8200" dirty="0"/>
-              <a:t> Bei, </a:t>
-            </a:r>
-            <a:r>
-              <a:rPr lang="en-US" sz="8200" dirty="0" err="1"/>
-              <a:t>Chandramouli</a:t>
-            </a:r>
-            <a:r>
-              <a:rPr lang="en-US" sz="8200" dirty="0"/>
-              <a:t> </a:t>
+              <a:rPr lang="en-US" altLang="zh-CN" sz="6000" baseline="0" dirty="0">
+                <a:ea typeface="SimSun" pitchFamily="2" charset="-122"/>
+              </a:rPr>
+              <a:t>STI Testing During the COVID-19 Pandemic</a:t>
             </a:r>
           </a:p>
           <a:p>
@@ -4393,17 +4383,52 @@
                 <a:spcPts val="0"/>
               </a:spcBef>
             </a:pPr>
-            <a:endParaRPr lang="en-US" sz="8200" dirty="0"/>
+            <a:endParaRPr lang="en-US" altLang="zh-CN" sz="1800" baseline="0" dirty="0">
+              <a:ea typeface="SimSun" pitchFamily="2" charset="-122"/>
+            </a:endParaRPr>
           </a:p>
           <a:p>
             <a:pPr algn="ctr" eaLnBrk="1" hangingPunct="1">
               <a:spcBef>
-                <a:spcPct val="50000"/>
+                <a:spcPts val="0"/>
               </a:spcBef>
             </a:pPr>
-            <a:endParaRPr lang="en-US" altLang="zh-CN" sz="6200" baseline="0" dirty="0">
+            <a:endParaRPr lang="en-US" altLang="zh-CN" sz="1200" baseline="0" dirty="0">
               <a:ea typeface="SimSun" pitchFamily="2" charset="-122"/>
             </a:endParaRPr>
+          </a:p>
+          <a:p>
+            <a:pPr algn="ctr" eaLnBrk="1" hangingPunct="1">
+              <a:spcBef>
+                <a:spcPts val="0"/>
+              </a:spcBef>
+            </a:pPr>
+            <a:endParaRPr lang="en-US" altLang="zh-CN" sz="800" baseline="0" dirty="0">
+              <a:ea typeface="SimSun" pitchFamily="2" charset="-122"/>
+            </a:endParaRPr>
+          </a:p>
+          <a:p>
+            <a:pPr algn="ctr" eaLnBrk="1" hangingPunct="1">
+              <a:spcBef>
+                <a:spcPts val="0"/>
+              </a:spcBef>
+            </a:pPr>
+            <a:r>
+              <a:rPr lang="en-US" sz="4800" baseline="0" dirty="0" err="1"/>
+              <a:t>Ruoer</a:t>
+            </a:r>
+            <a:r>
+              <a:rPr lang="en-US" sz="4800" baseline="0" dirty="0"/>
+              <a:t> Bei, </a:t>
+            </a:r>
+            <a:r>
+              <a:rPr lang="en-US" sz="4800" baseline="0" dirty="0" err="1"/>
+              <a:t>Chandramauli</a:t>
+            </a:r>
+            <a:r>
+              <a:rPr lang="en-US" sz="4800" baseline="0" dirty="0"/>
+              <a:t> Chakraborty, Dawson Kinsman, Jay Philbrick </a:t>
+            </a:r>
           </a:p>
         </p:txBody>
       </p:sp>
@@ -4417,7 +4442,7 @@
         </p:nvSpPr>
         <p:spPr bwMode="auto">
           <a:xfrm>
-            <a:off x="8788" y="4457343"/>
+            <a:off x="379660" y="4389041"/>
             <a:ext cx="43882412" cy="553222"/>
           </a:xfrm>
           <a:prstGeom prst="rect">
@@ -7139,21 +7164,7 @@
                 <a:latin typeface="Calibri" panose="020F0502020204030204" pitchFamily="34" charset="0"/>
                 <a:cs typeface="Calibri" panose="020F0502020204030204" pitchFamily="34" charset="0"/>
               </a:rPr>
-              <a:t>As the cases of COVID-19 decrease and an increasing amount of people return to similar routines that they had prior to the pandemic, more effects of the pandemic on public health and medicine are perceptible. Despite emphasis on quarantines and limiting social events, many states have reported a higher number of sexually transmitted infection (STI) cases that are symptomatic and a lower number of STIs that are typically asymptomatic. Regular STI screenings are important to inform patients when they have an STI, especially when they are asymptomatic. An explanation for this increase is that overwhelmed hospitals and doctors and an emphasis on staying home unless necessary has interrupted many routine medical procedures such as STI testing. Our research investigates these changes in reported STI cases to verify whether this increase in </a:t>
-            </a:r>
-            <a:r>
-              <a:rPr lang="en-US" b="0" baseline="0">
-                <a:latin typeface="Calibri" panose="020F0502020204030204" pitchFamily="34" charset="0"/>
-                <a:cs typeface="Calibri" panose="020F0502020204030204" pitchFamily="34" charset="0"/>
-              </a:rPr>
-              <a:t>symptomatic STIs is </a:t>
-            </a:r>
-            <a:r>
-              <a:rPr lang="en-US" b="0" baseline="0" dirty="0">
-                <a:latin typeface="Calibri" panose="020F0502020204030204" pitchFamily="34" charset="0"/>
-                <a:cs typeface="Calibri" panose="020F0502020204030204" pitchFamily="34" charset="0"/>
-              </a:rPr>
-              <a:t>an increase of STI cases or a delayal of healthcare and treatment until post-pandemic or development of symptoms. </a:t>
+              <a:t>As the cases of COVID-19 decrease and an increasing amount of people return to similar routines that they had prior to the pandemic, more effects of the pandemic on public health and medicine are perceptible. Despite emphasis on quarantines and limiting social events, many states have reported a higher number of sexually transmitted infection (STI) cases that are symptomatic and a lower number of STIs that are typically asymptomatic. Regular STI screenings are important to inform patients when they have an STI, especially when they are asymptomatic. An explanation for this increase is that overwhelmed hospitals and doctors and an emphasis on staying home unless necessary has interrupted many routine medical procedures such as STI testing. Our research investigates these changes in reported STI cases to verify whether this increase in symptomatic STIs is an increase of STI cases or a delayal of healthcare and treatment until post-pandemic or development of symptoms. </a:t>
             </a:r>
           </a:p>
         </p:txBody>
@@ -7180,7 +7191,7 @@
         </p:blipFill>
         <p:spPr>
           <a:xfrm>
-            <a:off x="1236341" y="1736055"/>
+            <a:off x="718770" y="1184788"/>
             <a:ext cx="7983325" cy="1596665"/>
           </a:xfrm>
           <a:prstGeom prst="rect">

--- a/BDSI22_DM_STICOVID_Poster.pptx
+++ b/BDSI22_DM_STICOVID_Poster.pptx
@@ -4361,7 +4361,7 @@
               <a:rPr lang="en-US" altLang="zh-CN" sz="8000" baseline="0" dirty="0">
                 <a:ea typeface="SimSun" pitchFamily="2" charset="-122"/>
               </a:rPr>
-              <a:t>Changing STI Rates: </a:t>
+              <a:t>Changing STI Rates and Missing Cases: </a:t>
             </a:r>
           </a:p>
           <a:p>

--- a/BDSI22_DM_STICOVID_Poster.pptx
+++ b/BDSI22_DM_STICOVID_Poster.pptx
@@ -6897,11 +6897,14 @@
           <a:p>
             <a:pPr algn="just"/>
             <a:r>
-              <a:rPr lang="en-US" b="0" baseline="0" dirty="0">
+              <a:rPr lang="en-US" b="0" baseline="0">
                 <a:latin typeface="Calibri" panose="020F0502020204030204" pitchFamily="34" charset="0"/>
               </a:rPr>
-              <a:t>Insert background here</a:t>
-            </a:r>
+              <a:t>Sexually transmitted in</a:t>
+            </a:r>
+            <a:endParaRPr lang="en-US" b="0" baseline="0" dirty="0">
+              <a:latin typeface="Calibri" panose="020F0502020204030204" pitchFamily="34" charset="0"/>
+            </a:endParaRPr>
           </a:p>
         </p:txBody>
       </p:sp>
